--- a/chapter-03/01-apideprecations/03_01_apideprecations.pptx
+++ b/chapter-03/01-apideprecations/03_01_apideprecations.pptx
@@ -17,11 +17,12 @@
     <p:sldMasterId id="2147483674" r:id="rId13"/>
   </p:sldMasterIdLst>
   <p:notesMasterIdLst>
-    <p:notesMasterId r:id="rId16"/>
+    <p:notesMasterId r:id="rId17"/>
   </p:notesMasterIdLst>
   <p:sldIdLst>
     <p:sldId id="259" r:id="rId14"/>
-    <p:sldId id="262" r:id="rId15"/>
+    <p:sldId id="263" r:id="rId15"/>
+    <p:sldId id="262" r:id="rId16"/>
   </p:sldIdLst>
   <p:sldSz cx="12192000" cy="6858000"/>
   <p:notesSz cx="9144000" cy="6858000"/>
@@ -15327,6 +15328,96 @@
       </p:grpSpPr>
       <p:sp>
         <p:nvSpPr>
+          <p:cNvPr id="4" name="Title 3">
+            <a:extLst>
+              <a:ext uri="{FF2B5EF4-FFF2-40B4-BE49-F238E27FC236}">
+                <a16:creationId xmlns:a16="http://schemas.microsoft.com/office/drawing/2014/main" id="{BE8021C2-466B-F3A1-2D86-6ACC591006C1}"/>
+              </a:ext>
+            </a:extLst>
+          </p:cNvPr>
+          <p:cNvSpPr>
+            <a:spLocks noGrp="1"/>
+          </p:cNvSpPr>
+          <p:nvPr>
+            <p:ph type="title"/>
+          </p:nvPr>
+        </p:nvSpPr>
+        <p:spPr/>
+        <p:txBody>
+          <a:bodyPr/>
+          <a:lstStyle/>
+          <a:p>
+            <a:r>
+              <a:rPr lang="en-US" dirty="0"/>
+              <a:t>API deprecations</a:t>
+            </a:r>
+          </a:p>
+        </p:txBody>
+      </p:sp>
+      <p:sp>
+        <p:nvSpPr>
+          <p:cNvPr id="5" name="Text Placeholder 4">
+            <a:extLst>
+              <a:ext uri="{FF2B5EF4-FFF2-40B4-BE49-F238E27FC236}">
+                <a16:creationId xmlns:a16="http://schemas.microsoft.com/office/drawing/2014/main" id="{D29C51A5-9A66-C3D4-75E5-5B0FDDDD329A}"/>
+              </a:ext>
+            </a:extLst>
+          </p:cNvPr>
+          <p:cNvSpPr>
+            <a:spLocks noGrp="1"/>
+          </p:cNvSpPr>
+          <p:nvPr>
+            <p:ph type="body" sz="quarter" idx="10"/>
+          </p:nvPr>
+        </p:nvSpPr>
+        <p:spPr/>
+        <p:txBody>
+          <a:bodyPr/>
+          <a:lstStyle/>
+          <a:p>
+            <a:r>
+              <a:rPr lang="en-US" dirty="0" err="1"/>
+              <a:t>kubectl</a:t>
+            </a:r>
+            <a:r>
+              <a:rPr lang="en-US" dirty="0"/>
+              <a:t>-convert</a:t>
+            </a:r>
+          </a:p>
+        </p:txBody>
+      </p:sp>
+    </p:spTree>
+    <p:extLst>
+      <p:ext uri="{BB962C8B-B14F-4D97-AF65-F5344CB8AC3E}">
+        <p14:creationId xmlns:p14="http://schemas.microsoft.com/office/powerpoint/2010/main" val="1274947045"/>
+      </p:ext>
+    </p:extLst>
+  </p:cSld>
+  <p:clrMapOvr>
+    <a:masterClrMapping/>
+  </p:clrMapOvr>
+</p:sld>
+</file>
+
+<file path=ppt/slides/slide3.xml><?xml version="1.0" encoding="utf-8"?>
+<p:sld xmlns:a="http://schemas.openxmlformats.org/drawingml/2006/main" xmlns:r="http://schemas.openxmlformats.org/officeDocument/2006/relationships" xmlns:p="http://schemas.openxmlformats.org/presentationml/2006/main">
+  <p:cSld>
+    <p:spTree>
+      <p:nvGrpSpPr>
+        <p:cNvPr id="1" name=""/>
+        <p:cNvGrpSpPr/>
+        <p:nvPr/>
+      </p:nvGrpSpPr>
+      <p:grpSpPr>
+        <a:xfrm>
+          <a:off x="0" y="0"/>
+          <a:ext cx="0" cy="0"/>
+          <a:chOff x="0" y="0"/>
+          <a:chExt cx="0" cy="0"/>
+        </a:xfrm>
+      </p:grpSpPr>
+      <p:sp>
+        <p:nvSpPr>
           <p:cNvPr id="2" name="Title 1">
             <a:extLst>
               <a:ext uri="{FF2B5EF4-FFF2-40B4-BE49-F238E27FC236}">
@@ -15376,15 +15467,7 @@
           <a:p>
             <a:r>
               <a:rPr lang="en-US" dirty="0"/>
-              <a:t>You are required to use an </a:t>
-            </a:r>
-            <a:r>
-              <a:rPr lang="en-US"/>
-              <a:t>existing deployment file </a:t>
-            </a:r>
-            <a:r>
-              <a:rPr lang="en-US" dirty="0"/>
-              <a:t>created for an older API version in a recent Kubernetes cluster</a:t>
+              <a:t>You are required to use an existing deployment file created for an older API version in a recent Kubernetes cluster</a:t>
             </a:r>
           </a:p>
         </p:txBody>

--- a/chapter-03/01-apideprecations/03_01_apideprecations.pptx
+++ b/chapter-03/01-apideprecations/03_01_apideprecations.pptx
@@ -259,7 +259,7 @@
           <a:p>
             <a:fld id="{7C2A2C10-8C9F-9B42-9862-A5B84F1CAB8B}" type="datetimeFigureOut">
               <a:rPr lang="en-US" smtClean="0"/>
-              <a:t>4/14/2023</a:t>
+              <a:t>4/15/2023</a:t>
             </a:fld>
             <a:endParaRPr lang="en-US"/>
           </a:p>
@@ -15467,7 +15467,21 @@
           <a:p>
             <a:r>
               <a:rPr lang="en-US" dirty="0"/>
-              <a:t>You are required to use an existing deployment file created for an older API version in a recent Kubernetes cluster</a:t>
+              <a:t>The ‘</a:t>
+            </a:r>
+            <a:r>
+              <a:rPr lang="en-US" dirty="0" err="1"/>
+              <a:t>mydeprecated-deployment.yaml</a:t>
+            </a:r>
+            <a:r>
+              <a:rPr lang="en-US" dirty="0"/>
+              <a:t>’ file contains a deployment created for an older version of Kubernetes</a:t>
+            </a:r>
+          </a:p>
+          <a:p>
+            <a:r>
+              <a:rPr lang="en-US" dirty="0"/>
+              <a:t>Convert that existing deployment file so it can be used in a newer version of Kubernetes</a:t>
             </a:r>
           </a:p>
         </p:txBody>

--- a/chapter-03/01-apideprecations/03_01_apideprecations.pptx
+++ b/chapter-03/01-apideprecations/03_01_apideprecations.pptx
@@ -259,7 +259,7 @@
           <a:p>
             <a:fld id="{7C2A2C10-8C9F-9B42-9862-A5B84F1CAB8B}" type="datetimeFigureOut">
               <a:rPr lang="en-US" smtClean="0"/>
-              <a:t>4/15/2023</a:t>
+              <a:t>4/16/2023</a:t>
             </a:fld>
             <a:endParaRPr lang="en-US"/>
           </a:p>
@@ -15481,7 +15481,7 @@
           <a:p>
             <a:r>
               <a:rPr lang="en-US" dirty="0"/>
-              <a:t>Convert that existing deployment file so it can be used in a newer version of Kubernetes</a:t>
+              <a:t>Convert the existing deployment file so it can be used in a newer version of Kubernetes</a:t>
             </a:r>
           </a:p>
         </p:txBody>
